--- a/Presentations/1.4 JD+ on Github.pptx
+++ b/Presentations/1.4 JD+ on Github.pptx
@@ -6,10 +6,10 @@
     <p:sldMasterId id="2147483669" r:id="rId2"/>
   </p:sldMasterIdLst>
   <p:notesMasterIdLst>
-    <p:notesMasterId r:id="rId15"/>
+    <p:notesMasterId r:id="rId14"/>
   </p:notesMasterIdLst>
   <p:handoutMasterIdLst>
-    <p:handoutMasterId r:id="rId16"/>
+    <p:handoutMasterId r:id="rId15"/>
   </p:handoutMasterIdLst>
   <p:sldIdLst>
     <p:sldId id="269" r:id="rId3"/>
@@ -22,8 +22,7 @@
     <p:sldId id="260" r:id="rId10"/>
     <p:sldId id="266" r:id="rId11"/>
     <p:sldId id="267" r:id="rId12"/>
-    <p:sldId id="268" r:id="rId13"/>
-    <p:sldId id="264" r:id="rId14"/>
+    <p:sldId id="264" r:id="rId13"/>
   </p:sldIdLst>
   <p:sldSz cx="9144000" cy="6858000" type="screen4x3"/>
   <p:notesSz cx="6858000" cy="9144000"/>
@@ -5836,7 +5835,7 @@
             </a:r>
             <a:r>
               <a:rPr lang="en-GB" sz="2000" dirty="0"/>
-              <a:t> </a:t>
+              <a:t>  </a:t>
             </a:r>
           </a:p>
           <a:p>
@@ -5968,287 +5967,6 @@
 </file>
 
 <file path=ppt/slides/slide11.xml><?xml version="1.0" encoding="utf-8"?>
-<p:sld xmlns:a="http://schemas.openxmlformats.org/drawingml/2006/main" xmlns:r="http://schemas.openxmlformats.org/officeDocument/2006/relationships" xmlns:p="http://schemas.openxmlformats.org/presentationml/2006/main">
-  <p:cSld>
-    <p:spTree>
-      <p:nvGrpSpPr>
-        <p:cNvPr id="1" name=""/>
-        <p:cNvGrpSpPr/>
-        <p:nvPr/>
-      </p:nvGrpSpPr>
-      <p:grpSpPr>
-        <a:xfrm>
-          <a:off x="0" y="0"/>
-          <a:ext cx="0" cy="0"/>
-          <a:chOff x="0" y="0"/>
-          <a:chExt cx="0" cy="0"/>
-        </a:xfrm>
-      </p:grpSpPr>
-      <p:sp>
-        <p:nvSpPr>
-          <p:cNvPr id="2" name="Title 1">
-            <a:extLst>
-              <a:ext uri="{FF2B5EF4-FFF2-40B4-BE49-F238E27FC236}">
-                <a16:creationId xmlns:a16="http://schemas.microsoft.com/office/drawing/2014/main" id="{9BBA7961-20B3-4AC6-96F6-A10F14DE4EEC}"/>
-              </a:ext>
-            </a:extLst>
-          </p:cNvPr>
-          <p:cNvSpPr>
-            <a:spLocks noGrp="1"/>
-          </p:cNvSpPr>
-          <p:nvPr>
-            <p:ph type="title"/>
-          </p:nvPr>
-        </p:nvSpPr>
-        <p:spPr/>
-        <p:txBody>
-          <a:bodyPr/>
-          <a:lstStyle/>
-          <a:p>
-            <a:r>
-              <a:rPr lang="en-GB" dirty="0" err="1"/>
-              <a:t>JDemetra</a:t>
-            </a:r>
-            <a:r>
-              <a:rPr lang="en-GB" dirty="0"/>
-              <a:t>+ resources on </a:t>
-            </a:r>
-            <a:r>
-              <a:rPr lang="en-GB" dirty="0" err="1"/>
-              <a:t>Github</a:t>
-            </a:r>
-            <a:endParaRPr lang="en-GB" dirty="0"/>
-          </a:p>
-        </p:txBody>
-      </p:sp>
-      <p:sp>
-        <p:nvSpPr>
-          <p:cNvPr id="3" name="Content Placeholder 2">
-            <a:extLst>
-              <a:ext uri="{FF2B5EF4-FFF2-40B4-BE49-F238E27FC236}">
-                <a16:creationId xmlns:a16="http://schemas.microsoft.com/office/drawing/2014/main" id="{C6F4D24D-0EA9-4E56-AC68-FF4359E49ACA}"/>
-              </a:ext>
-            </a:extLst>
-          </p:cNvPr>
-          <p:cNvSpPr>
-            <a:spLocks noGrp="1"/>
-          </p:cNvSpPr>
-          <p:nvPr>
-            <p:ph idx="1"/>
-          </p:nvPr>
-        </p:nvSpPr>
-        <p:spPr/>
-        <p:txBody>
-          <a:bodyPr>
-            <a:normAutofit lnSpcReduction="10000"/>
-          </a:bodyPr>
-          <a:lstStyle/>
-          <a:p>
-            <a:r>
-              <a:rPr lang="en-GB" sz="2300" dirty="0"/>
-              <a:t>New R packages (based on JD+ 3.0)</a:t>
-            </a:r>
-          </a:p>
-          <a:p>
-            <a:pPr lvl="1"/>
-            <a:r>
-              <a:rPr lang="en-GB" sz="2000" dirty="0">
-                <a:hlinkClick r:id="rId2"/>
-              </a:rPr>
-              <a:t>https://github.com/palatej/rjd3toolkit/releases/tag/v0.1.0</a:t>
-            </a:r>
-            <a:r>
-              <a:rPr lang="en-GB" sz="2000" dirty="0"/>
-              <a:t> </a:t>
-            </a:r>
-          </a:p>
-          <a:p>
-            <a:pPr lvl="1"/>
-            <a:r>
-              <a:rPr lang="en-GB" sz="2000" dirty="0">
-                <a:hlinkClick r:id="rId3"/>
-              </a:rPr>
-              <a:t>https://github.com/palatej/rjd3modelling/releases/tag/v0.1.0</a:t>
-            </a:r>
-            <a:endParaRPr lang="en-GB" sz="2000" dirty="0"/>
-          </a:p>
-          <a:p>
-            <a:pPr lvl="1"/>
-            <a:r>
-              <a:rPr lang="en-GB" sz="2000" dirty="0">
-                <a:hlinkClick r:id="rId4"/>
-              </a:rPr>
-              <a:t>https://github.com/palatej/rjd3arima/releases/tag/v0.1.0</a:t>
-            </a:r>
-            <a:endParaRPr lang="en-GB" sz="2000" dirty="0"/>
-          </a:p>
-          <a:p>
-            <a:pPr lvl="1"/>
-            <a:r>
-              <a:rPr lang="en-GB" sz="2000" dirty="0">
-                <a:hlinkClick r:id="rId5"/>
-              </a:rPr>
-              <a:t>https://github.com/palatej/rjd3sa/releases/tag/v0.1.0</a:t>
-            </a:r>
-            <a:endParaRPr lang="en-GB" sz="2000" dirty="0"/>
-          </a:p>
-          <a:p>
-            <a:pPr lvl="1"/>
-            <a:r>
-              <a:rPr lang="en-GB" sz="2000" dirty="0">
-                <a:hlinkClick r:id="rId6"/>
-              </a:rPr>
-              <a:t>https://github.com/palatej/rjd3tramoseats/releases/tag/v0.1.0</a:t>
-            </a:r>
-            <a:endParaRPr lang="en-GB" sz="2000" dirty="0"/>
-          </a:p>
-          <a:p>
-            <a:pPr lvl="1"/>
-            <a:r>
-              <a:rPr lang="en-GB" sz="2000" dirty="0">
-                <a:hlinkClick r:id="rId7"/>
-              </a:rPr>
-              <a:t>https://github.com/palatej/rjd3x13/releases/tag/v0.1.0</a:t>
-            </a:r>
-            <a:endParaRPr lang="en-GB" sz="2000" dirty="0"/>
-          </a:p>
-          <a:p>
-            <a:pPr lvl="1"/>
-            <a:r>
-              <a:rPr lang="en-GB" sz="2000" dirty="0">
-                <a:hlinkClick r:id="rId8"/>
-              </a:rPr>
-              <a:t>https://github.com/palatej/rjdemetra3/releases/tag/v0.1.0</a:t>
-            </a:r>
-            <a:endParaRPr lang="en-GB" sz="2000" dirty="0"/>
-          </a:p>
-          <a:p>
-            <a:pPr lvl="1"/>
-            <a:r>
-              <a:rPr lang="en-GB" sz="2000" dirty="0">
-                <a:hlinkClick r:id="rId9"/>
-              </a:rPr>
-              <a:t>https://github.com/palatej/rjd3sts/releases/tag/v0.1.0</a:t>
-            </a:r>
-            <a:endParaRPr lang="en-GB" sz="2000" dirty="0"/>
-          </a:p>
-          <a:p>
-            <a:pPr lvl="1"/>
-            <a:r>
-              <a:rPr lang="en-GB" sz="2000" dirty="0">
-                <a:hlinkClick r:id="rId10"/>
-              </a:rPr>
-              <a:t>https://github.com/palatej/rjd3highfreq/releases/tag/v0.1.0</a:t>
-            </a:r>
-            <a:endParaRPr lang="en-GB" sz="2000" dirty="0"/>
-          </a:p>
-          <a:p>
-            <a:pPr lvl="1"/>
-            <a:endParaRPr lang="en-GB" sz="2000" dirty="0"/>
-          </a:p>
-          <a:p>
-            <a:r>
-              <a:rPr lang="en-GB" sz="2300" dirty="0"/>
-              <a:t>Training</a:t>
-            </a:r>
-          </a:p>
-          <a:p>
-            <a:pPr lvl="1"/>
-            <a:r>
-              <a:rPr lang="fr-BE" sz="2000" dirty="0" err="1">
-                <a:hlinkClick r:id="rId11"/>
-              </a:rPr>
-              <a:t>palatej</a:t>
-            </a:r>
-            <a:r>
-              <a:rPr lang="fr-BE" sz="2000" dirty="0">
-                <a:hlinkClick r:id="rId11"/>
-              </a:rPr>
-              <a:t>/estp2021: ESTP training (github.com)</a:t>
-            </a:r>
-            <a:endParaRPr lang="en-GB" sz="2000" dirty="0"/>
-          </a:p>
-          <a:p>
-            <a:pPr lvl="1"/>
-            <a:endParaRPr lang="en-GB" sz="2000" dirty="0"/>
-          </a:p>
-          <a:p>
-            <a:pPr lvl="1"/>
-            <a:endParaRPr lang="en-GB" sz="2000" dirty="0"/>
-          </a:p>
-          <a:p>
-            <a:pPr lvl="1"/>
-            <a:endParaRPr lang="en-GB" sz="2000" dirty="0"/>
-          </a:p>
-          <a:p>
-            <a:pPr lvl="1"/>
-            <a:endParaRPr lang="en-GB" sz="2000" dirty="0"/>
-          </a:p>
-          <a:p>
-            <a:pPr lvl="1"/>
-            <a:endParaRPr lang="en-GB" sz="2000" dirty="0"/>
-          </a:p>
-          <a:p>
-            <a:pPr lvl="1"/>
-            <a:endParaRPr lang="en-GB" sz="2000" dirty="0"/>
-          </a:p>
-          <a:p>
-            <a:pPr lvl="1"/>
-            <a:endParaRPr lang="en-GB" sz="2000" dirty="0"/>
-          </a:p>
-          <a:p>
-            <a:pPr lvl="1"/>
-            <a:endParaRPr lang="en-GB" sz="2000" dirty="0"/>
-          </a:p>
-          <a:p>
-            <a:pPr lvl="1"/>
-            <a:endParaRPr lang="en-GB" dirty="0"/>
-          </a:p>
-        </p:txBody>
-      </p:sp>
-      <p:sp>
-        <p:nvSpPr>
-          <p:cNvPr id="4" name="Date Placeholder 3">
-            <a:extLst>
-              <a:ext uri="{FF2B5EF4-FFF2-40B4-BE49-F238E27FC236}">
-                <a16:creationId xmlns:a16="http://schemas.microsoft.com/office/drawing/2014/main" id="{97D9CD84-B089-4D49-93E8-89F2DF702850}"/>
-              </a:ext>
-            </a:extLst>
-          </p:cNvPr>
-          <p:cNvSpPr>
-            <a:spLocks noGrp="1"/>
-          </p:cNvSpPr>
-          <p:nvPr>
-            <p:ph type="dt" sz="half" idx="10"/>
-          </p:nvPr>
-        </p:nvSpPr>
-        <p:spPr/>
-        <p:txBody>
-          <a:bodyPr/>
-          <a:lstStyle/>
-          <a:p>
-            <a:r>
-              <a:rPr lang="en-US"/>
-              <a:t>15-17/10/2024</a:t>
-            </a:r>
-            <a:endParaRPr lang="en-GB"/>
-          </a:p>
-        </p:txBody>
-      </p:sp>
-    </p:spTree>
-    <p:extLst>
-      <p:ext uri="{BB962C8B-B14F-4D97-AF65-F5344CB8AC3E}">
-        <p14:creationId xmlns:p14="http://schemas.microsoft.com/office/powerpoint/2010/main" val="2269413088"/>
-      </p:ext>
-    </p:extLst>
-  </p:cSld>
-  <p:clrMapOvr>
-    <a:masterClrMapping/>
-  </p:clrMapOvr>
-</p:sld>
-</file>
-
-<file path=ppt/slides/slide12.xml><?xml version="1.0" encoding="utf-8"?>
 <p:sld xmlns:a="http://schemas.openxmlformats.org/drawingml/2006/main" xmlns:r="http://schemas.openxmlformats.org/officeDocument/2006/relationships" xmlns:p="http://schemas.openxmlformats.org/presentationml/2006/main">
   <p:cSld>
     <p:spTree>
@@ -7942,8 +7660,12 @@
           <a:lstStyle/>
           <a:p>
             <a:r>
+              <a:rPr lang="en-GB" dirty="0" err="1"/>
+              <a:t>JDemetra</a:t>
+            </a:r>
+            <a:r>
               <a:rPr lang="en-GB" dirty="0"/>
-              <a:t>JDemetra3+ resources on </a:t>
+              <a:t> resources on </a:t>
             </a:r>
             <a:r>
               <a:rPr lang="en-GB" dirty="0" err="1"/>
@@ -7976,7 +7698,7 @@
           <a:p>
             <a:r>
               <a:rPr lang="en-GB" sz="2300" dirty="0"/>
-              <a:t>Core libraries (GUI/Cruncher)</a:t>
+              <a:t>Java libraries (including GUI/Cruncher)</a:t>
             </a:r>
           </a:p>
           <a:p>
@@ -7985,19 +7707,15 @@
               <a:rPr lang="en-GB" sz="2000" dirty="0">
                 <a:hlinkClick r:id="rId2"/>
               </a:rPr>
-              <a:t>https://github.com/jdemetra/jdplus-main</a:t>
-            </a:r>
-            <a:r>
-              <a:rPr lang="en-GB" sz="2000" dirty="0"/>
-              <a:t> </a:t>
-            </a:r>
-          </a:p>
-          <a:p>
-            <a:r>
-              <a:rPr lang="en-GB" sz="2300" dirty="0" err="1"/>
-              <a:t>Rjdemetra</a:t>
-            </a:r>
-            <a:endParaRPr lang="en-GB" sz="2300" dirty="0"/>
+              <a:t>https://github.com/jdemetra</a:t>
+            </a:r>
+            <a:endParaRPr lang="en-GB" sz="2000" dirty="0"/>
+          </a:p>
+          <a:p>
+            <a:r>
+              <a:rPr lang="en-GB" sz="2300" dirty="0"/>
+              <a:t>R packages</a:t>
+            </a:r>
           </a:p>
           <a:p>
             <a:pPr lvl="1"/>
@@ -8005,7 +7723,7 @@
               <a:rPr lang="en-GB" sz="2000" dirty="0">
                 <a:hlinkClick r:id="rId3"/>
               </a:rPr>
-              <a:t>https://github.com/rjdemetra</a:t>
+              <a:t>https://github.com/rjdverse</a:t>
             </a:r>
             <a:r>
               <a:rPr lang="en-GB" sz="2000" dirty="0"/>
@@ -8013,8 +7731,10 @@
             </a:r>
           </a:p>
           <a:p>
-            <a:pPr lvl="1"/>
-            <a:endParaRPr lang="en-GB" sz="2000" dirty="0"/>
+            <a:r>
+              <a:rPr lang="en-GB" sz="2300" dirty="0"/>
+              <a:t>Training</a:t>
+            </a:r>
           </a:p>
           <a:p>
             <a:pPr lvl="1"/>
@@ -8022,67 +7742,11 @@
               <a:rPr lang="en-GB" sz="2000" dirty="0">
                 <a:hlinkClick r:id="rId4"/>
               </a:rPr>
-              <a:t>https://github.com/rjdemetra/rjd3toolkit</a:t>
-            </a:r>
-            <a:endParaRPr lang="en-GB" sz="2000" dirty="0"/>
-          </a:p>
-          <a:p>
-            <a:pPr lvl="1"/>
-            <a:r>
-              <a:rPr lang="en-GB" sz="2000" dirty="0">
-                <a:hlinkClick r:id="rId5"/>
-              </a:rPr>
-              <a:t>https://github.com/rjdemetra/rjd3tramoseats</a:t>
-            </a:r>
-            <a:endParaRPr lang="en-GB" sz="2000" dirty="0"/>
-          </a:p>
-          <a:p>
-            <a:pPr lvl="1"/>
-            <a:r>
-              <a:rPr lang="en-GB" sz="2000" dirty="0">
-                <a:hlinkClick r:id="rId6"/>
-              </a:rPr>
-              <a:t>https://github.com/rjdemetra/rjd3x13</a:t>
-            </a:r>
-            <a:endParaRPr lang="en-GB" sz="2000" dirty="0"/>
-          </a:p>
-          <a:p>
-            <a:pPr lvl="1"/>
-            <a:r>
-              <a:rPr lang="en-GB" sz="2000" dirty="0">
-                <a:hlinkClick r:id="rId7"/>
-              </a:rPr>
-              <a:t>https://github.com/rjdemetra/rjd3providers</a:t>
-            </a:r>
-            <a:endParaRPr lang="en-GB" sz="2000" dirty="0"/>
-          </a:p>
-          <a:p>
-            <a:pPr lvl="1"/>
-            <a:r>
-              <a:rPr lang="en-GB" sz="2000" dirty="0">
-                <a:hlinkClick r:id="rId8"/>
-              </a:rPr>
-              <a:t>https://github.com/rjdemetra/rjdemetra3</a:t>
-            </a:r>
-            <a:endParaRPr lang="en-GB" sz="2000" dirty="0"/>
-          </a:p>
-          <a:p>
-            <a:r>
-              <a:rPr lang="en-GB" sz="2300" dirty="0"/>
-              <a:t>Training</a:t>
-            </a:r>
-          </a:p>
-          <a:p>
-            <a:pPr lvl="1"/>
-            <a:r>
-              <a:rPr lang="en-GB" sz="2000">
-                <a:hlinkClick r:id="rId9"/>
-              </a:rPr>
-              <a:t>https://github.com/palatej/estp2023</a:t>
-            </a:r>
-            <a:r>
-              <a:rPr lang="en-GB" sz="2000"/>
-              <a:t> </a:t>
+              <a:t>https://github.com/palatej/estp2024</a:t>
+            </a:r>
+            <a:r>
+              <a:rPr lang="en-GB" sz="2000" dirty="0"/>
+              <a:t>  </a:t>
             </a:r>
           </a:p>
           <a:p>
